--- a/2016-2/TJY_CYX/FlippedClassroom/身份隐藏PPT.pptx
+++ b/2016-2/TJY_CYX/FlippedClassroom/身份隐藏PPT.pptx
@@ -6863,10 +6863,10 @@
           <a:lstStyle/>
           <a:p>
             <a:r>
-              <a:rPr lang="zh-CN" altLang="en-US" dirty="0"/>
-              <a:t>程乙轩 谭嘉怡</a:t>
-            </a:r>
-            <a:endParaRPr lang="zh-CN" altLang="en-US" dirty="0"/>
+              <a:rPr lang="en-US" dirty="0"/>
+              <a:t>FitzBC ChareleneTan</a:t>
+            </a:r>
+            <a:endParaRPr lang="en-US" dirty="0"/>
           </a:p>
         </p:txBody>
       </p:sp>

--- a/2016-2/TJY_CYX/FlippedClassroom/身份隐藏PPT.pptx
+++ b/2016-2/TJY_CYX/FlippedClassroom/身份隐藏PPT.pptx
@@ -31,10 +31,8 @@
     <p:sldId id="351" r:id="rId24"/>
     <p:sldId id="314" r:id="rId25"/>
     <p:sldId id="327" r:id="rId26"/>
-    <p:sldId id="330" r:id="rId27"/>
-    <p:sldId id="332" r:id="rId28"/>
-    <p:sldId id="315" r:id="rId29"/>
-    <p:sldId id="282" r:id="rId30"/>
+    <p:sldId id="315" r:id="rId27"/>
+    <p:sldId id="282" r:id="rId28"/>
   </p:sldIdLst>
   <p:sldSz cx="12192000" cy="6858000"/>
   <p:notesSz cx="6858000" cy="9144000"/>
@@ -1983,10 +1981,6 @@
           <a:bodyPr/>
           <a:lstStyle/>
           <a:p>
-            <a:r>
-              <a:rPr lang="zh-CN" altLang="en-US"/>
-              <a:t>Crowds系统中每个成员上运行一个名为jondo的代理程序，用于转发来自本地浏览器或其他成员上jondo的HTTP请求。初始时，jondo向系统中行使管理功能的成员(称为blender)注册，并获得系统中的活动jondo表和相应的共享密钥。当收到来自本地浏览器的HTTP请求时，jondo从jondo列表中随机选取一个作为后继(可能是它自己)，并将请求转发给该后继jondo。若后继jondo接收到请求，则以概率pf(1/2&lt;pf&lt;1)将该请求继续转发，否则以概率1-pf将请求直接提交给接收者，即发送给系统中任何一个jondo的可能性是pf，而发送给服务器的概率是1-pf。每一步跳都决定是否将HTTP请求直接交给目的服务器或根据转发可能性将它转发给下一个随机选择的成员，重路由路径中允许存在循环。选择了一条重路由路径后，在24 h的时段内，所有从该发送者到该接收者的匿名通信都将使用该路径。新成员可以在一些特定时段加入Crowds并形成新路径。</a:t>
-            </a:r>
             <a:endParaRPr lang="zh-CN" altLang="en-US"/>
           </a:p>
         </p:txBody>
@@ -2389,172 +2383,6 @@
       </p:grpSpPr>
       <p:sp>
         <p:nvSpPr>
-          <p:cNvPr id="2" name="幻灯片图像占位符 1"/>
-          <p:cNvSpPr>
-            <a:spLocks noGrp="1" noRot="1" noChangeAspect="1"/>
-          </p:cNvSpPr>
-          <p:nvPr>
-            <p:ph type="sldImg"/>
-          </p:nvPr>
-        </p:nvSpPr>
-        <p:spPr>
-          <a:xfrm>
-            <a:off x="685800" y="1143000"/>
-            <a:ext cx="5486400" cy="3086100"/>
-          </a:xfrm>
-        </p:spPr>
-      </p:sp>
-      <p:sp>
-        <p:nvSpPr>
-          <p:cNvPr id="3" name="备注占位符 2"/>
-          <p:cNvSpPr>
-            <a:spLocks noGrp="1"/>
-          </p:cNvSpPr>
-          <p:nvPr>
-            <p:ph type="body" idx="1"/>
-          </p:nvPr>
-        </p:nvSpPr>
-        <p:spPr/>
-        <p:txBody>
-          <a:bodyPr/>
-          <a:lstStyle/>
-          <a:p>
-            <a:endParaRPr lang="zh-CN" altLang="en-US"/>
-          </a:p>
-        </p:txBody>
-      </p:sp>
-      <p:sp>
-        <p:nvSpPr>
-          <p:cNvPr id="4" name="灯片编号占位符 3"/>
-          <p:cNvSpPr>
-            <a:spLocks noGrp="1"/>
-          </p:cNvSpPr>
-          <p:nvPr>
-            <p:ph type="sldNum" sz="quarter" idx="10"/>
-          </p:nvPr>
-        </p:nvSpPr>
-        <p:spPr/>
-        <p:txBody>
-          <a:bodyPr/>
-          <a:lstStyle/>
-          <a:p>
-            <a:fld id="{93AA39BF-A0C1-4329-B52D-A0BC4CCA7601}" type="slidenum">
-              <a:rPr lang="zh-CN" altLang="en-US" smtClean="0"/>
-            </a:fld>
-            <a:endParaRPr lang="zh-CN" altLang="en-US"/>
-          </a:p>
-        </p:txBody>
-      </p:sp>
-    </p:spTree>
-  </p:cSld>
-  <p:clrMapOvr>
-    <a:masterClrMapping/>
-  </p:clrMapOvr>
-</p:notes>
-</file>
-
-<file path=ppt/notesSlides/notesSlide25.xml><?xml version="1.0" encoding="utf-8"?>
-<p:notes xmlns:a="http://schemas.openxmlformats.org/drawingml/2006/main" xmlns:r="http://schemas.openxmlformats.org/officeDocument/2006/relationships" xmlns:p="http://schemas.openxmlformats.org/presentationml/2006/main">
-  <p:cSld>
-    <p:spTree>
-      <p:nvGrpSpPr>
-        <p:cNvPr id="1" name=""/>
-        <p:cNvGrpSpPr/>
-        <p:nvPr/>
-      </p:nvGrpSpPr>
-      <p:grpSpPr>
-        <a:xfrm>
-          <a:off x="0" y="0"/>
-          <a:ext cx="0" cy="0"/>
-          <a:chOff x="0" y="0"/>
-          <a:chExt cx="0" cy="0"/>
-        </a:xfrm>
-      </p:grpSpPr>
-      <p:sp>
-        <p:nvSpPr>
-          <p:cNvPr id="2" name="幻灯片图像占位符 1"/>
-          <p:cNvSpPr>
-            <a:spLocks noGrp="1" noRot="1" noChangeAspect="1"/>
-          </p:cNvSpPr>
-          <p:nvPr>
-            <p:ph type="sldImg"/>
-          </p:nvPr>
-        </p:nvSpPr>
-        <p:spPr>
-          <a:xfrm>
-            <a:off x="685800" y="1143000"/>
-            <a:ext cx="5486400" cy="3086100"/>
-          </a:xfrm>
-        </p:spPr>
-      </p:sp>
-      <p:sp>
-        <p:nvSpPr>
-          <p:cNvPr id="3" name="备注占位符 2"/>
-          <p:cNvSpPr>
-            <a:spLocks noGrp="1"/>
-          </p:cNvSpPr>
-          <p:nvPr>
-            <p:ph type="body" idx="1"/>
-          </p:nvPr>
-        </p:nvSpPr>
-        <p:spPr/>
-        <p:txBody>
-          <a:bodyPr/>
-          <a:lstStyle/>
-          <a:p>
-            <a:endParaRPr lang="zh-CN" altLang="en-US"/>
-          </a:p>
-        </p:txBody>
-      </p:sp>
-      <p:sp>
-        <p:nvSpPr>
-          <p:cNvPr id="4" name="灯片编号占位符 3"/>
-          <p:cNvSpPr>
-            <a:spLocks noGrp="1"/>
-          </p:cNvSpPr>
-          <p:nvPr>
-            <p:ph type="sldNum" sz="quarter" idx="10"/>
-          </p:nvPr>
-        </p:nvSpPr>
-        <p:spPr/>
-        <p:txBody>
-          <a:bodyPr/>
-          <a:lstStyle/>
-          <a:p>
-            <a:fld id="{38100ACD-FD38-435B-93FE-FF31ECDF372E}" type="slidenum">
-              <a:rPr lang="zh-CN" altLang="en-US" smtClean="0"/>
-            </a:fld>
-            <a:endParaRPr lang="zh-CN" altLang="en-US"/>
-          </a:p>
-        </p:txBody>
-      </p:sp>
-    </p:spTree>
-  </p:cSld>
-  <p:clrMapOvr>
-    <a:masterClrMapping/>
-  </p:clrMapOvr>
-</p:notes>
-</file>
-
-<file path=ppt/notesSlides/notesSlide26.xml><?xml version="1.0" encoding="utf-8"?>
-<p:notes xmlns:a="http://schemas.openxmlformats.org/drawingml/2006/main" xmlns:r="http://schemas.openxmlformats.org/officeDocument/2006/relationships" xmlns:p="http://schemas.openxmlformats.org/presentationml/2006/main">
-  <p:cSld>
-    <p:spTree>
-      <p:nvGrpSpPr>
-        <p:cNvPr id="1" name=""/>
-        <p:cNvGrpSpPr/>
-        <p:nvPr/>
-      </p:nvGrpSpPr>
-      <p:grpSpPr>
-        <a:xfrm>
-          <a:off x="0" y="0"/>
-          <a:ext cx="0" cy="0"/>
-          <a:chOff x="0" y="0"/>
-          <a:chExt cx="0" cy="0"/>
-        </a:xfrm>
-      </p:grpSpPr>
-      <p:sp>
-        <p:nvSpPr>
           <p:cNvPr id="4098" name="幻灯片图像占位符 1"/>
           <p:cNvSpPr>
             <a:spLocks noGrp="1" noRot="1" noChangeAspect="1" noTextEdit="1"/>
@@ -2802,7 +2630,7 @@
 </p:notes>
 </file>
 
-<file path=ppt/notesSlides/notesSlide27.xml><?xml version="1.0" encoding="utf-8"?>
+<file path=ppt/notesSlides/notesSlide25.xml><?xml version="1.0" encoding="utf-8"?>
 <p:notes xmlns:a="http://schemas.openxmlformats.org/drawingml/2006/main" xmlns:r="http://schemas.openxmlformats.org/officeDocument/2006/relationships" xmlns:p="http://schemas.openxmlformats.org/presentationml/2006/main">
   <p:cSld>
     <p:spTree>
@@ -9255,9 +9083,18 @@
           <a:p>
             <a:r>
               <a:rPr lang="zh-CN" altLang="en-US"/>
-              <a:t>参考文献：徐静.《基于IPv6的接收者匿名Crowds系统》.计算机工程,2009,35(23)</a:t>
-            </a:r>
-            <a:endParaRPr lang="zh-CN" altLang="en-US"/>
+              <a:t>参考文献：</a:t>
+            </a:r>
+            <a:r>
+              <a:t>[</a:t>
+            </a:r>
+            <a:r>
+              <a:rPr lang="en-US"/>
+              <a:t>1</a:t>
+            </a:r>
+            <a:r>
+              <a:t>]徐静.《基于IPv6的接收者匿名Crowds系统》 [J].计算机工程,2009,35(23)</a:t>
+            </a:r>
           </a:p>
         </p:txBody>
       </p:sp>
@@ -12790,6 +12627,7 @@
             <a:r>
               <a:t>洋葱路由是用确定路由地址的源路由协议，选定由若干中间目标组成的多段路径，并把后段路径的IP包的数据和地址一起加密作为前段路径IP包的载体传送，就隐藏掉了目标节点地址，从而得到多级混淆的匿名路径。</a:t>
             </a:r>
+            <a:endParaRPr lang="en-US"/>
           </a:p>
         </p:txBody>
       </p:sp>
@@ -12816,7 +12654,15 @@
           <a:p>
             <a:r>
               <a:rPr lang="zh-CN" altLang="en-US"/>
-              <a:t>参考文献：王育民.《信息隐藏：理论与技术》</a:t>
+              <a:t>参考文献：[</a:t>
+            </a:r>
+            <a:r>
+              <a:rPr lang="en-US" altLang="zh-CN"/>
+              <a:t>2</a:t>
+            </a:r>
+            <a:r>
+              <a:rPr lang="zh-CN" altLang="en-US"/>
+              <a:t>]王育民.《信息隐藏：理论与技术》  [M]</a:t>
             </a:r>
             <a:endParaRPr lang="zh-CN" altLang="en-US"/>
           </a:p>
@@ -13947,267 +13793,6 @@
       </p:grpSpPr>
       <p:sp>
         <p:nvSpPr>
-          <p:cNvPr id="9" name="文本框 8"/>
-          <p:cNvSpPr txBox="1"/>
-          <p:nvPr>
-            <p:custDataLst>
-              <p:tags r:id="rId1"/>
-            </p:custDataLst>
-          </p:nvPr>
-        </p:nvSpPr>
-        <p:spPr>
-          <a:xfrm>
-            <a:off x="838200" y="365125"/>
-            <a:ext cx="10515600" cy="917765"/>
-          </a:xfrm>
-          <a:prstGeom prst="rect">
-            <a:avLst/>
-          </a:prstGeom>
-        </p:spPr>
-        <p:txBody>
-          <a:bodyPr anchor="ctr" anchorCtr="0">
-            <a:normAutofit/>
-          </a:bodyPr>
-          <a:lstStyle>
-            <a:defPPr>
-              <a:defRPr lang="zh-CN"/>
-            </a:defPPr>
-            <a:lvl1pPr>
-              <a:lnSpc>
-                <a:spcPct val="90000"/>
-              </a:lnSpc>
-              <a:spcBef>
-                <a:spcPct val="0"/>
-              </a:spcBef>
-              <a:buNone/>
-              <a:defRPr sz="3600" b="1">
-                <a:solidFill>
-                  <a:schemeClr val="accent1"/>
-                </a:solidFill>
-                <a:latin typeface="+mj-lt"/>
-                <a:ea typeface="+mj-ea"/>
-                <a:cs typeface="+mj-cs"/>
-              </a:defRPr>
-            </a:lvl1pPr>
-          </a:lstStyle>
-          <a:p>
-            <a:r>
-              <a:rPr lang="en-US" dirty="0">
-                <a:sym typeface="+mn-ea"/>
-              </a:rPr>
-              <a:t>CSRF(</a:t>
-            </a:r>
-            <a:r>
-              <a:rPr lang="en-US" altLang="zh-CN" dirty="0">
-                <a:sym typeface="+mn-ea"/>
-              </a:rPr>
-              <a:t>Cross-site request forgery</a:t>
-            </a:r>
-            <a:r>
-              <a:rPr lang="en-US" dirty="0">
-                <a:sym typeface="+mn-ea"/>
-              </a:rPr>
-              <a:t>)</a:t>
-            </a:r>
-            <a:endParaRPr lang="zh-CN" altLang="en-US" dirty="0"/>
-          </a:p>
-        </p:txBody>
-      </p:sp>
-      <p:pic>
-        <p:nvPicPr>
-          <p:cNvPr id="3" name="图片 2" descr="CSRF"/>
-          <p:cNvPicPr>
-            <a:picLocks noChangeAspect="1"/>
-          </p:cNvPicPr>
-          <p:nvPr/>
-        </p:nvPicPr>
-        <p:blipFill>
-          <a:blip r:embed="rId2"/>
-          <a:stretch>
-            <a:fillRect/>
-          </a:stretch>
-        </p:blipFill>
-        <p:spPr>
-          <a:xfrm>
-            <a:off x="838200" y="1282700"/>
-            <a:ext cx="9712960" cy="4883785"/>
-          </a:xfrm>
-          <a:prstGeom prst="rect">
-            <a:avLst/>
-          </a:prstGeom>
-        </p:spPr>
-      </p:pic>
-    </p:spTree>
-    <p:custDataLst>
-      <p:tags r:id="rId3"/>
-    </p:custDataLst>
-  </p:cSld>
-  <p:clrMapOvr>
-    <a:masterClrMapping/>
-  </p:clrMapOvr>
-  <p:timing>
-    <p:tnLst>
-      <p:par>
-        <p:cTn id="1" dur="indefinite" restart="never" nodeType="tmRoot"/>
-      </p:par>
-    </p:tnLst>
-  </p:timing>
-</p:sld>
-</file>
-
-<file path=ppt/slides/slide25.xml><?xml version="1.0" encoding="utf-8"?>
-<p:sld xmlns:a="http://schemas.openxmlformats.org/drawingml/2006/main" xmlns:r="http://schemas.openxmlformats.org/officeDocument/2006/relationships" xmlns:p="http://schemas.openxmlformats.org/presentationml/2006/main">
-  <p:cSld>
-    <p:spTree>
-      <p:nvGrpSpPr>
-        <p:cNvPr id="1" name=""/>
-        <p:cNvGrpSpPr/>
-        <p:nvPr/>
-      </p:nvGrpSpPr>
-      <p:grpSpPr>
-        <a:xfrm>
-          <a:off x="0" y="0"/>
-          <a:ext cx="0" cy="0"/>
-          <a:chOff x="0" y="0"/>
-          <a:chExt cx="0" cy="0"/>
-        </a:xfrm>
-      </p:grpSpPr>
-      <p:sp>
-        <p:nvSpPr>
-          <p:cNvPr id="6" name="文本框 5"/>
-          <p:cNvSpPr txBox="1"/>
-          <p:nvPr>
-            <p:custDataLst>
-              <p:tags r:id="rId1"/>
-            </p:custDataLst>
-          </p:nvPr>
-        </p:nvSpPr>
-        <p:spPr>
-          <a:xfrm>
-            <a:off x="838200" y="365125"/>
-            <a:ext cx="10515600" cy="917765"/>
-          </a:xfrm>
-          <a:prstGeom prst="rect">
-            <a:avLst/>
-          </a:prstGeom>
-        </p:spPr>
-        <p:txBody>
-          <a:bodyPr anchor="ctr" anchorCtr="0">
-            <a:normAutofit/>
-          </a:bodyPr>
-          <a:lstStyle>
-            <a:defPPr>
-              <a:defRPr lang="zh-CN"/>
-            </a:defPPr>
-            <a:lvl1pPr>
-              <a:lnSpc>
-                <a:spcPct val="90000"/>
-              </a:lnSpc>
-              <a:spcBef>
-                <a:spcPct val="0"/>
-              </a:spcBef>
-              <a:buNone/>
-              <a:defRPr sz="3600" b="1">
-                <a:solidFill>
-                  <a:schemeClr val="accent1"/>
-                </a:solidFill>
-                <a:latin typeface="+mj-lt"/>
-                <a:ea typeface="+mj-ea"/>
-                <a:cs typeface="+mj-cs"/>
-              </a:defRPr>
-            </a:lvl1pPr>
-          </a:lstStyle>
-          <a:p>
-            <a:r>
-              <a:rPr lang="en-US" dirty="0">
-                <a:sym typeface="+mn-ea"/>
-              </a:rPr>
-              <a:t>CSRF(</a:t>
-            </a:r>
-            <a:r>
-              <a:rPr lang="en-US" altLang="zh-CN" dirty="0">
-                <a:sym typeface="+mn-ea"/>
-              </a:rPr>
-              <a:t>Cross-site request forgery</a:t>
-            </a:r>
-            <a:r>
-              <a:rPr lang="en-US" dirty="0">
-                <a:sym typeface="+mn-ea"/>
-              </a:rPr>
-              <a:t>)</a:t>
-            </a:r>
-            <a:endParaRPr lang="en-US" dirty="0">
-              <a:sym typeface="+mn-ea"/>
-            </a:endParaRPr>
-          </a:p>
-        </p:txBody>
-      </p:sp>
-      <p:sp>
-        <p:nvSpPr>
-          <p:cNvPr id="4" name="文本框 3"/>
-          <p:cNvSpPr txBox="1"/>
-          <p:nvPr/>
-        </p:nvSpPr>
-        <p:spPr>
-          <a:xfrm>
-            <a:off x="838200" y="1282700"/>
-            <a:ext cx="9618980" cy="3505200"/>
-          </a:xfrm>
-          <a:prstGeom prst="rect">
-            <a:avLst/>
-          </a:prstGeom>
-          <a:noFill/>
-        </p:spPr>
-        <p:txBody>
-          <a:bodyPr wrap="square" rtlCol="0">
-            <a:spAutoFit/>
-          </a:bodyPr>
-          <a:p>
-            <a:r>
-              <a:rPr sz="2800"/>
-              <a:t>例 如：一个网站用户Bob可能正在浏览聊天论坛，而同时另一个用户Alice也在此论坛中，并且后者刚刚发布了一个具有Bob银行链接的图片消息。设想一下，Alice编写了一个在Bob的银行站点上进行取款的form提交的链接，并将此链接作为图片src。如果Bob的银行在cookie中保存他的授权信息，并且此cookie没有过期，那么当Bob的浏览器尝试装载图片时将提交这个取款form和他的cookie，这样在没经Bob同意的情况下便授权了这次事务。</a:t>
-            </a:r>
-            <a:endParaRPr sz="2800"/>
-          </a:p>
-        </p:txBody>
-      </p:sp>
-    </p:spTree>
-    <p:custDataLst>
-      <p:tags r:id="rId2"/>
-    </p:custDataLst>
-  </p:cSld>
-  <p:clrMapOvr>
-    <a:masterClrMapping/>
-  </p:clrMapOvr>
-  <p:timing>
-    <p:tnLst>
-      <p:par>
-        <p:cTn id="1" dur="indefinite" restart="never" nodeType="tmRoot"/>
-      </p:par>
-    </p:tnLst>
-  </p:timing>
-</p:sld>
-</file>
-
-<file path=ppt/slides/slide26.xml><?xml version="1.0" encoding="utf-8"?>
-<p:sld xmlns:a="http://schemas.openxmlformats.org/drawingml/2006/main" xmlns:r="http://schemas.openxmlformats.org/officeDocument/2006/relationships" xmlns:p="http://schemas.openxmlformats.org/presentationml/2006/main">
-  <p:cSld>
-    <p:spTree>
-      <p:nvGrpSpPr>
-        <p:cNvPr id="1" name=""/>
-        <p:cNvGrpSpPr/>
-        <p:nvPr/>
-      </p:nvGrpSpPr>
-      <p:grpSpPr>
-        <a:xfrm>
-          <a:off x="0" y="0"/>
-          <a:ext cx="0" cy="0"/>
-          <a:chOff x="0" y="0"/>
-          <a:chExt cx="0" cy="0"/>
-        </a:xfrm>
-      </p:grpSpPr>
-      <p:sp>
-        <p:nvSpPr>
           <p:cNvPr id="3078" name="文本占位符 4"/>
           <p:cNvSpPr txBox="1"/>
           <p:nvPr>
@@ -14496,7 +14081,7 @@
 </p:sld>
 </file>
 
-<file path=ppt/slides/slide27.xml><?xml version="1.0" encoding="utf-8"?>
+<file path=ppt/slides/slide25.xml><?xml version="1.0" encoding="utf-8"?>
 <p:sld xmlns:a="http://schemas.openxmlformats.org/drawingml/2006/main" xmlns:r="http://schemas.openxmlformats.org/officeDocument/2006/relationships" xmlns:p="http://schemas.openxmlformats.org/presentationml/2006/main">
   <p:cSld>
     <p:spTree>
@@ -17121,38 +16706,22 @@
   <p:tag name="KSO_WM_BEAUTIFY_FLAG" val="#wm#"/>
   <p:tag name="KSO_WM_TEMPLATE_CATEGORY" val="custom"/>
   <p:tag name="KSO_WM_TEMPLATE_INDEX" val="160539"/>
-  <p:tag name="KSO_WM_UNIT_TYPE" val="a"/>
+  <p:tag name="MH" val="20150921105644"/>
+  <p:tag name="MH_LIBRARY" val="GRAPHIC"/>
+  <p:tag name="MH_ORDER" val="文本占位符 4"/>
+  <p:tag name="KSO_WM_UNIT_TYPE" val="e"/>
   <p:tag name="KSO_WM_UNIT_INDEX" val="1"/>
-  <p:tag name="KSO_WM_UNIT_ID" val="custom160539_25*a*1"/>
+  <p:tag name="KSO_WM_UNIT_ID" val="custom160539_12*e*1"/>
   <p:tag name="KSO_WM_UNIT_CLEAR" val="1"/>
   <p:tag name="KSO_WM_UNIT_LAYERLEVEL" val="1"/>
-  <p:tag name="KSO_WM_UNIT_VALUE" val="25"/>
-  <p:tag name="KSO_WM_UNIT_ISCONTENTSTITLE" val="0"/>
+  <p:tag name="KSO_WM_UNIT_VALUE" val="1"/>
   <p:tag name="KSO_WM_UNIT_HIGHLIGHT" val="0"/>
-  <p:tag name="KSO_WM_UNIT_COMPATIBLE" val="0"/>
-  <p:tag name="KSO_WM_UNIT_PRESET_TEXT_INDEX" val="3"/>
-  <p:tag name="KSO_WM_UNIT_PRESET_TEXT_LEN" val="17"/>
+  <p:tag name="KSO_WM_UNIT_COMPATIBLE" val="1"/>
+  <p:tag name="KSO_WM_UNIT_PRESET_TEXT" val="1"/>
 </p:tagLst>
 </file>
 
 <file path=ppt/tags/tag107.xml><?xml version="1.0" encoding="utf-8"?>
-<p:tagLst xmlns:p="http://schemas.openxmlformats.org/presentationml/2006/main">
-  <p:tag name="KSO_WM_TEMPLATE_CATEGORY" val="custom"/>
-  <p:tag name="KSO_WM_TEMPLATE_INDEX" val="160539"/>
-  <p:tag name="KSO_WM_TAG_VERSION" val="1.0"/>
-  <p:tag name="KSO_WM_SLIDE_ID" val="custom160539_5"/>
-  <p:tag name="KSO_WM_SLIDE_INDEX" val="5"/>
-  <p:tag name="KSO_WM_SLIDE_ITEM_CNT" val="2"/>
-  <p:tag name="KSO_WM_SLIDE_LAYOUT" val="a_d_f"/>
-  <p:tag name="KSO_WM_SLIDE_LAYOUT_CNT" val="1_1_1"/>
-  <p:tag name="KSO_WM_SLIDE_TYPE" val="text"/>
-  <p:tag name="KSO_WM_BEAUTIFY_FLAG" val="#wm#"/>
-  <p:tag name="KSO_WM_SLIDE_POSITION" val="122*101"/>
-  <p:tag name="KSO_WM_SLIDE_SIZE" val="715*419"/>
-</p:tagLst>
-</file>
-
-<file path=ppt/tags/tag108.xml><?xml version="1.0" encoding="utf-8"?>
 <p:tagLst xmlns:p="http://schemas.openxmlformats.org/presentationml/2006/main">
   <p:tag name="KSO_WM_TAG_VERSION" val="1.0"/>
   <p:tag name="KSO_WM_BEAUTIFY_FLAG" val="#wm#"/>
@@ -17160,38 +16729,47 @@
   <p:tag name="KSO_WM_TEMPLATE_INDEX" val="160539"/>
   <p:tag name="KSO_WM_UNIT_TYPE" val="a"/>
   <p:tag name="KSO_WM_UNIT_INDEX" val="1"/>
-  <p:tag name="KSO_WM_UNIT_ID" val="custom160539_26*a*1"/>
+  <p:tag name="KSO_WM_UNIT_ID" val="custom160539_12*a*1"/>
   <p:tag name="KSO_WM_UNIT_CLEAR" val="1"/>
   <p:tag name="KSO_WM_UNIT_LAYERLEVEL" val="1"/>
-  <p:tag name="KSO_WM_UNIT_VALUE" val="25"/>
+  <p:tag name="KSO_WM_UNIT_VALUE" val="20"/>
   <p:tag name="KSO_WM_UNIT_ISCONTENTSTITLE" val="0"/>
   <p:tag name="KSO_WM_UNIT_HIGHLIGHT" val="0"/>
   <p:tag name="KSO_WM_UNIT_COMPATIBLE" val="0"/>
   <p:tag name="KSO_WM_UNIT_PRESET_TEXT_INDEX" val="3"/>
-  <p:tag name="KSO_WM_UNIT_PRESET_TEXT_LEN" val="17"/>
+  <p:tag name="KSO_WM_UNIT_PRESET_TEXT_LEN" val="11"/>
+</p:tagLst>
+</file>
+
+<file path=ppt/tags/tag108.xml><?xml version="1.0" encoding="utf-8"?>
+<p:tagLst xmlns:p="http://schemas.openxmlformats.org/presentationml/2006/main">
+  <p:tag name="MH" val="20150921105644"/>
+  <p:tag name="MH_LIBRARY" val="GRAPHIC"/>
+  <p:tag name="KSO_WM_TEMPLATE_CATEGORY" val="custom"/>
+  <p:tag name="KSO_WM_TEMPLATE_INDEX" val="160539"/>
+  <p:tag name="KSO_WM_TAG_VERSION" val="1.0"/>
+  <p:tag name="KSO_WM_SLIDE_ID" val="custom160539_12"/>
+  <p:tag name="KSO_WM_SLIDE_INDEX" val="12"/>
+  <p:tag name="KSO_WM_SLIDE_ITEM_CNT" val="2"/>
+  <p:tag name="KSO_WM_SLIDE_LAYOUT" val="a_b_e"/>
+  <p:tag name="KSO_WM_SLIDE_LAYOUT_CNT" val="1_1_1"/>
+  <p:tag name="KSO_WM_SLIDE_TYPE" val="title"/>
+  <p:tag name="KSO_WM_BEAUTIFY_FLAG" val="#wm#"/>
 </p:tagLst>
 </file>
 
 <file path=ppt/tags/tag109.xml><?xml version="1.0" encoding="utf-8"?>
 <p:tagLst xmlns:p="http://schemas.openxmlformats.org/presentationml/2006/main">
-  <p:tag name="MH_TYPE" val="#NeiR#"/>
-  <p:tag name="MH_NUMBER" val="2"/>
-  <p:tag name="MH_CATEGORY" val="#TuWHP#"/>
-  <p:tag name="MH_LAYOUT" val="SubTitleText"/>
-  <p:tag name="MH" val="20150921113736"/>
+  <p:tag name="MH" val="20150921114015"/>
   <p:tag name="MH_LIBRARY" val="GRAPHIC"/>
+  <p:tag name="MH_ORDER" val="Freeform 6"/>
+  <p:tag name="KSO_WM_TAG_VERSION" val="1.0"/>
+  <p:tag name="KSO_WM_BEAUTIFY_FLAG" val="#wm#"/>
+  <p:tag name="KSO_WM_UNIT_TYPE" val="i"/>
+  <p:tag name="KSO_WM_UNIT_ID" val="custom160539_27*i*0"/>
   <p:tag name="KSO_WM_TEMPLATE_CATEGORY" val="custom"/>
   <p:tag name="KSO_WM_TEMPLATE_INDEX" val="160539"/>
-  <p:tag name="KSO_WM_TAG_VERSION" val="1.0"/>
-  <p:tag name="KSO_WM_SLIDE_ID" val="custom160539_26"/>
-  <p:tag name="KSO_WM_SLIDE_INDEX" val="26"/>
-  <p:tag name="KSO_WM_SLIDE_ITEM_CNT" val="3"/>
-  <p:tag name="KSO_WM_SLIDE_LAYOUT" val="a_f_d"/>
-  <p:tag name="KSO_WM_SLIDE_LAYOUT_CNT" val="1_1_2"/>
-  <p:tag name="KSO_WM_SLIDE_TYPE" val="text"/>
-  <p:tag name="KSO_WM_BEAUTIFY_FLAG" val="#wm#"/>
-  <p:tag name="KSO_WM_SLIDE_POSITION" val="118*132"/>
-  <p:tag name="KSO_WM_SLIDE_SIZE" val="723*377"/>
+  <p:tag name="KSO_WM_UNIT_INDEX" val="0"/>
 </p:tagLst>
 </file>
 
@@ -17215,79 +16793,6 @@
 </file>
 
 <file path=ppt/tags/tag110.xml><?xml version="1.0" encoding="utf-8"?>
-<p:tagLst xmlns:p="http://schemas.openxmlformats.org/presentationml/2006/main">
-  <p:tag name="KSO_WM_TAG_VERSION" val="1.0"/>
-  <p:tag name="KSO_WM_BEAUTIFY_FLAG" val="#wm#"/>
-  <p:tag name="KSO_WM_TEMPLATE_CATEGORY" val="custom"/>
-  <p:tag name="KSO_WM_TEMPLATE_INDEX" val="160539"/>
-  <p:tag name="MH" val="20150921105644"/>
-  <p:tag name="MH_LIBRARY" val="GRAPHIC"/>
-  <p:tag name="MH_ORDER" val="文本占位符 4"/>
-  <p:tag name="KSO_WM_UNIT_TYPE" val="e"/>
-  <p:tag name="KSO_WM_UNIT_INDEX" val="1"/>
-  <p:tag name="KSO_WM_UNIT_ID" val="custom160539_12*e*1"/>
-  <p:tag name="KSO_WM_UNIT_CLEAR" val="1"/>
-  <p:tag name="KSO_WM_UNIT_LAYERLEVEL" val="1"/>
-  <p:tag name="KSO_WM_UNIT_VALUE" val="1"/>
-  <p:tag name="KSO_WM_UNIT_HIGHLIGHT" val="0"/>
-  <p:tag name="KSO_WM_UNIT_COMPATIBLE" val="1"/>
-  <p:tag name="KSO_WM_UNIT_PRESET_TEXT" val="1"/>
-</p:tagLst>
-</file>
-
-<file path=ppt/tags/tag111.xml><?xml version="1.0" encoding="utf-8"?>
-<p:tagLst xmlns:p="http://schemas.openxmlformats.org/presentationml/2006/main">
-  <p:tag name="KSO_WM_TAG_VERSION" val="1.0"/>
-  <p:tag name="KSO_WM_BEAUTIFY_FLAG" val="#wm#"/>
-  <p:tag name="KSO_WM_TEMPLATE_CATEGORY" val="custom"/>
-  <p:tag name="KSO_WM_TEMPLATE_INDEX" val="160539"/>
-  <p:tag name="KSO_WM_UNIT_TYPE" val="a"/>
-  <p:tag name="KSO_WM_UNIT_INDEX" val="1"/>
-  <p:tag name="KSO_WM_UNIT_ID" val="custom160539_12*a*1"/>
-  <p:tag name="KSO_WM_UNIT_CLEAR" val="1"/>
-  <p:tag name="KSO_WM_UNIT_LAYERLEVEL" val="1"/>
-  <p:tag name="KSO_WM_UNIT_VALUE" val="20"/>
-  <p:tag name="KSO_WM_UNIT_ISCONTENTSTITLE" val="0"/>
-  <p:tag name="KSO_WM_UNIT_HIGHLIGHT" val="0"/>
-  <p:tag name="KSO_WM_UNIT_COMPATIBLE" val="0"/>
-  <p:tag name="KSO_WM_UNIT_PRESET_TEXT_INDEX" val="3"/>
-  <p:tag name="KSO_WM_UNIT_PRESET_TEXT_LEN" val="11"/>
-</p:tagLst>
-</file>
-
-<file path=ppt/tags/tag112.xml><?xml version="1.0" encoding="utf-8"?>
-<p:tagLst xmlns:p="http://schemas.openxmlformats.org/presentationml/2006/main">
-  <p:tag name="MH" val="20150921105644"/>
-  <p:tag name="MH_LIBRARY" val="GRAPHIC"/>
-  <p:tag name="KSO_WM_TEMPLATE_CATEGORY" val="custom"/>
-  <p:tag name="KSO_WM_TEMPLATE_INDEX" val="160539"/>
-  <p:tag name="KSO_WM_TAG_VERSION" val="1.0"/>
-  <p:tag name="KSO_WM_SLIDE_ID" val="custom160539_12"/>
-  <p:tag name="KSO_WM_SLIDE_INDEX" val="12"/>
-  <p:tag name="KSO_WM_SLIDE_ITEM_CNT" val="2"/>
-  <p:tag name="KSO_WM_SLIDE_LAYOUT" val="a_b_e"/>
-  <p:tag name="KSO_WM_SLIDE_LAYOUT_CNT" val="1_1_1"/>
-  <p:tag name="KSO_WM_SLIDE_TYPE" val="title"/>
-  <p:tag name="KSO_WM_BEAUTIFY_FLAG" val="#wm#"/>
-</p:tagLst>
-</file>
-
-<file path=ppt/tags/tag113.xml><?xml version="1.0" encoding="utf-8"?>
-<p:tagLst xmlns:p="http://schemas.openxmlformats.org/presentationml/2006/main">
-  <p:tag name="MH" val="20150921114015"/>
-  <p:tag name="MH_LIBRARY" val="GRAPHIC"/>
-  <p:tag name="MH_ORDER" val="Freeform 6"/>
-  <p:tag name="KSO_WM_TAG_VERSION" val="1.0"/>
-  <p:tag name="KSO_WM_BEAUTIFY_FLAG" val="#wm#"/>
-  <p:tag name="KSO_WM_UNIT_TYPE" val="i"/>
-  <p:tag name="KSO_WM_UNIT_ID" val="custom160539_27*i*0"/>
-  <p:tag name="KSO_WM_TEMPLATE_CATEGORY" val="custom"/>
-  <p:tag name="KSO_WM_TEMPLATE_INDEX" val="160539"/>
-  <p:tag name="KSO_WM_UNIT_INDEX" val="0"/>
-</p:tagLst>
-</file>
-
-<file path=ppt/tags/tag114.xml><?xml version="1.0" encoding="utf-8"?>
 <p:tagLst xmlns:p="http://schemas.openxmlformats.org/presentationml/2006/main">
   <p:tag name="MH" val="20150921114015"/>
   <p:tag name="MH_LIBRARY" val="GRAPHIC"/>
